--- a/01-basics/exercises/16-segmentation_principles.pptx
+++ b/01-basics/exercises/16-segmentation_principles.pptx
@@ -259,7 +259,7 @@
           <a:p>
             <a:fld id="{2EEC3D0B-6EC8-4E87-A410-4822AA20BE98}" type="datetimeFigureOut">
               <a:rPr kumimoji="1" lang="ja-JP" altLang="en-US" smtClean="0"/>
-              <a:t>2023/12/11</a:t>
+              <a:t>2023/12/13</a:t>
             </a:fld>
             <a:endParaRPr kumimoji="1" lang="ja-JP" altLang="en-US"/>
           </a:p>
@@ -400,7 +400,7 @@
           <a:p>
             <a:fld id="{2EEC3D0B-6EC8-4E87-A410-4822AA20BE98}" type="datetimeFigureOut">
               <a:rPr kumimoji="1" lang="ja-JP" altLang="en-US" smtClean="0"/>
-              <a:t>2023/12/11</a:t>
+              <a:t>2023/12/13</a:t>
             </a:fld>
             <a:endParaRPr kumimoji="1" lang="ja-JP" altLang="en-US"/>
           </a:p>
@@ -513,7 +513,7 @@
           <a:p>
             <a:fld id="{2EEC3D0B-6EC8-4E87-A410-4822AA20BE98}" type="datetimeFigureOut">
               <a:rPr kumimoji="1" lang="ja-JP" altLang="en-US" smtClean="0"/>
-              <a:t>2023/12/11</a:t>
+              <a:t>2023/12/13</a:t>
             </a:fld>
             <a:endParaRPr kumimoji="1" lang="ja-JP" altLang="en-US"/>
           </a:p>
@@ -575,59 +575,6 @@
       </p:sp>
       <p:sp>
         <p:nvSpPr>
-          <p:cNvPr id="5" name="タイトル 3">
-            <a:extLst>
-              <a:ext uri="{FF2B5EF4-FFF2-40B4-BE49-F238E27FC236}">
-                <a16:creationId xmlns:a16="http://schemas.microsoft.com/office/drawing/2014/main" id="{C5C16A04-92ED-AC32-A471-467304EB41AA}"/>
-              </a:ext>
-            </a:extLst>
-          </p:cNvPr>
-          <p:cNvSpPr>
-            <a:spLocks noGrp="1"/>
-          </p:cNvSpPr>
-          <p:nvPr>
-            <p:ph type="title" hasCustomPrompt="1"/>
-          </p:nvPr>
-        </p:nvSpPr>
-        <p:spPr>
-          <a:xfrm>
-            <a:off x="838200" y="477521"/>
-            <a:ext cx="10515600" cy="731520"/>
-          </a:xfrm>
-          <a:solidFill>
-            <a:schemeClr val="tx2">
-              <a:lumMod val="20000"/>
-              <a:lumOff val="80000"/>
-            </a:schemeClr>
-          </a:solidFill>
-        </p:spPr>
-        <p:txBody>
-          <a:bodyPr anchor="b">
-            <a:normAutofit/>
-          </a:bodyPr>
-          <a:lstStyle>
-            <a:lvl1pPr>
-              <a:defRPr/>
-            </a:lvl1pPr>
-          </a:lstStyle>
-          <a:p>
-            <a:r>
-              <a:rPr lang="ja-JP" altLang="en-US" sz="2800" b="1" dirty="0"/>
-              <a:t>演習</a:t>
-            </a:r>
-            <a:r>
-              <a:rPr lang="en-US" altLang="ja-JP" sz="2800" b="1" dirty="0"/>
-              <a:t>1: </a:t>
-            </a:r>
-            <a:r>
-              <a:rPr lang="ja-JP" altLang="en-US" sz="2800" b="1" dirty="0"/>
-              <a:t>国語辞典をインターフェイス＆実装に分解する</a:t>
-            </a:r>
-          </a:p>
-        </p:txBody>
-      </p:sp>
-      <p:sp>
-        <p:nvSpPr>
           <p:cNvPr id="6" name="テキスト ボックス 5">
             <a:extLst>
               <a:ext uri="{FF2B5EF4-FFF2-40B4-BE49-F238E27FC236}">
@@ -783,7 +730,7 @@
           <p:nvPr userDrawn="1">
             <p:extLst>
               <p:ext uri="{D42A27DB-BD31-4B8C-83A1-F6EECF244321}">
-                <p14:modId xmlns:p14="http://schemas.microsoft.com/office/powerpoint/2010/main" val="1421487087"/>
+                <p14:modId xmlns:p14="http://schemas.microsoft.com/office/powerpoint/2010/main" val="756393465"/>
               </p:ext>
             </p:extLst>
           </p:nvPr>
@@ -1070,6 +1017,13 @@
                       <a:r>
                         <a:rPr kumimoji="1" lang="ja-JP" altLang="en-US" sz="1600" dirty="0"/>
                         <a:t>・コラム</a:t>
+                      </a:r>
+                      <a:endParaRPr kumimoji="1" lang="en-US" altLang="ja-JP" sz="1600" dirty="0"/>
+                    </a:p>
+                    <a:p>
+                      <a:r>
+                        <a:rPr kumimoji="1" lang="ja-JP" altLang="en-US" sz="1600" dirty="0"/>
+                        <a:t>・語の並び順</a:t>
                       </a:r>
                     </a:p>
                   </a:txBody>
@@ -1411,6 +1365,74 @@
           </a:graphicData>
         </a:graphic>
       </p:graphicFrame>
+      <p:sp>
+        <p:nvSpPr>
+          <p:cNvPr id="13" name="タイトル 3">
+            <a:extLst>
+              <a:ext uri="{FF2B5EF4-FFF2-40B4-BE49-F238E27FC236}">
+                <a16:creationId xmlns:a16="http://schemas.microsoft.com/office/drawing/2014/main" id="{65E0A42D-85BC-5BD5-5A4F-FA8B4DBAD6D8}"/>
+              </a:ext>
+            </a:extLst>
+          </p:cNvPr>
+          <p:cNvSpPr txBox="1">
+            <a:spLocks/>
+          </p:cNvSpPr>
+          <p:nvPr userDrawn="1"/>
+        </p:nvSpPr>
+        <p:spPr>
+          <a:xfrm>
+            <a:off x="838200" y="482621"/>
+            <a:ext cx="10515600" cy="731520"/>
+          </a:xfrm>
+          <a:prstGeom prst="rect">
+            <a:avLst/>
+          </a:prstGeom>
+          <a:solidFill>
+            <a:schemeClr val="tx2">
+              <a:lumMod val="20000"/>
+              <a:lumOff val="80000"/>
+            </a:schemeClr>
+          </a:solidFill>
+        </p:spPr>
+        <p:txBody>
+          <a:bodyPr vert="horz" lIns="91440" tIns="45720" rIns="91440" bIns="45720" rtlCol="0" anchor="b">
+            <a:normAutofit fontScale="97500"/>
+          </a:bodyPr>
+          <a:lstStyle>
+            <a:lvl1pPr algn="l" defTabSz="914400" rtl="0" eaLnBrk="1" latinLnBrk="0" hangingPunct="1">
+              <a:lnSpc>
+                <a:spcPct val="90000"/>
+              </a:lnSpc>
+              <a:spcBef>
+                <a:spcPct val="0"/>
+              </a:spcBef>
+              <a:buNone/>
+              <a:defRPr kumimoji="1" sz="4400" kern="1200">
+                <a:solidFill>
+                  <a:schemeClr val="tx1"/>
+                </a:solidFill>
+                <a:latin typeface="+mj-lt"/>
+                <a:ea typeface="+mj-ea"/>
+                <a:cs typeface="+mj-cs"/>
+              </a:defRPr>
+            </a:lvl1pPr>
+          </a:lstStyle>
+          <a:p>
+            <a:r>
+              <a:rPr lang="ja-JP" altLang="en-US" sz="2800" b="1" dirty="0"/>
+              <a:t>演習</a:t>
+            </a:r>
+            <a:r>
+              <a:rPr lang="en-US" altLang="ja-JP" sz="2800" b="1" dirty="0"/>
+              <a:t>1: </a:t>
+            </a:r>
+            <a:r>
+              <a:rPr lang="ja-JP" altLang="en-US" sz="2800" b="1" dirty="0"/>
+              <a:t>国語辞典をインターフェイス＆実装に分解する</a:t>
+            </a:r>
+          </a:p>
+        </p:txBody>
+      </p:sp>
       <p:sp>
         <p:nvSpPr>
           <p:cNvPr id="11" name="テキスト ボックス 10">
@@ -1714,7 +1736,7 @@
           <a:p>
             <a:fld id="{2EEC3D0B-6EC8-4E87-A410-4822AA20BE98}" type="datetimeFigureOut">
               <a:rPr kumimoji="1" lang="ja-JP" altLang="en-US" smtClean="0"/>
-              <a:t>2023/12/11</a:t>
+              <a:t>2023/12/13</a:t>
             </a:fld>
             <a:endParaRPr kumimoji="1" lang="ja-JP" altLang="en-US"/>
           </a:p>
@@ -2251,7 +2273,7 @@
         </p:nvSpPr>
         <p:spPr>
           <a:xfrm>
-            <a:off x="838200" y="1209040"/>
+            <a:off x="838200" y="4480562"/>
             <a:ext cx="10515600" cy="369332"/>
           </a:xfrm>
           <a:prstGeom prst="rect">
@@ -2358,7 +2380,7 @@
         </p:nvSpPr>
         <p:spPr>
           <a:xfrm>
-            <a:off x="838200" y="4475480"/>
+            <a:off x="838200" y="1236980"/>
             <a:ext cx="10515600" cy="369332"/>
           </a:xfrm>
           <a:prstGeom prst="rect">

--- a/01-basics/exercises/16-segmentation_principles.pptx
+++ b/01-basics/exercises/16-segmentation_principles.pptx
@@ -259,7 +259,7 @@
           <a:p>
             <a:fld id="{2EEC3D0B-6EC8-4E87-A410-4822AA20BE98}" type="datetimeFigureOut">
               <a:rPr kumimoji="1" lang="ja-JP" altLang="en-US" smtClean="0"/>
-              <a:t>2023/12/13</a:t>
+              <a:t>2024/5/7</a:t>
             </a:fld>
             <a:endParaRPr kumimoji="1" lang="ja-JP" altLang="en-US"/>
           </a:p>
@@ -400,7 +400,7 @@
           <a:p>
             <a:fld id="{2EEC3D0B-6EC8-4E87-A410-4822AA20BE98}" type="datetimeFigureOut">
               <a:rPr kumimoji="1" lang="ja-JP" altLang="en-US" smtClean="0"/>
-              <a:t>2023/12/13</a:t>
+              <a:t>2024/5/7</a:t>
             </a:fld>
             <a:endParaRPr kumimoji="1" lang="ja-JP" altLang="en-US"/>
           </a:p>
@@ -513,7 +513,7 @@
           <a:p>
             <a:fld id="{2EEC3D0B-6EC8-4E87-A410-4822AA20BE98}" type="datetimeFigureOut">
               <a:rPr kumimoji="1" lang="ja-JP" altLang="en-US" smtClean="0"/>
-              <a:t>2023/12/13</a:t>
+              <a:t>2024/5/7</a:t>
             </a:fld>
             <a:endParaRPr kumimoji="1" lang="ja-JP" altLang="en-US"/>
           </a:p>
@@ -601,13 +601,26 @@
           </a:bodyPr>
           <a:lstStyle/>
           <a:p>
-            <a:r>
-              <a:rPr lang="en-US" altLang="ja-JP" dirty="0"/>
-              <a:t>PC</a:t>
-            </a:r>
+            <a:pPr marL="0" marR="0" lvl="0" indent="0" algn="l" defTabSz="914400" rtl="0" eaLnBrk="1" fontAlgn="auto" latinLnBrk="0" hangingPunct="1">
+              <a:lnSpc>
+                <a:spcPct val="100000"/>
+              </a:lnSpc>
+              <a:spcBef>
+                <a:spcPts val="0"/>
+              </a:spcBef>
+              <a:spcAft>
+                <a:spcPts val="0"/>
+              </a:spcAft>
+              <a:buClrTx/>
+              <a:buSzTx/>
+              <a:buFontTx/>
+              <a:buNone/>
+              <a:tabLst/>
+              <a:defRPr/>
+            </a:pPr>
             <a:r>
               <a:rPr lang="ja-JP" altLang="en-US" dirty="0"/>
-              <a:t>の印刷機能について注目し、メカニズムとポリシーに分けて表現してみましょう</a:t>
+              <a:t>国語辞典の役割に注目し、各社共通のインターフェイスと、実装とに分けて表現してみましょう</a:t>
             </a:r>
           </a:p>
         </p:txBody>
@@ -709,8 +722,12 @@
           <a:lstStyle/>
           <a:p>
             <a:r>
+              <a:rPr lang="en-US" altLang="ja-JP" dirty="0"/>
+              <a:t>PC</a:t>
+            </a:r>
+            <a:r>
               <a:rPr lang="ja-JP" altLang="en-US" dirty="0"/>
-              <a:t>各社の国語辞典の役割について注目し、インターフェイスと実装に分けて表現してみましょう</a:t>
+              <a:t>の印刷機能について注目し、メカニズムとポリシーに分けて表現してみましょう</a:t>
             </a:r>
           </a:p>
         </p:txBody>
@@ -1736,7 +1753,7 @@
           <a:p>
             <a:fld id="{2EEC3D0B-6EC8-4E87-A410-4822AA20BE98}" type="datetimeFigureOut">
               <a:rPr kumimoji="1" lang="ja-JP" altLang="en-US" smtClean="0"/>
-              <a:t>2023/12/13</a:t>
+              <a:t>2024/5/7</a:t>
             </a:fld>
             <a:endParaRPr kumimoji="1" lang="ja-JP" altLang="en-US"/>
           </a:p>
@@ -1889,6 +1906,53 @@
                 </a:solidFill>
               </a:rPr>
               <a:t>インターフェイスと実装の分離：ドリル</a:t>
+            </a:r>
+          </a:p>
+        </p:txBody>
+      </p:sp>
+      <p:sp>
+        <p:nvSpPr>
+          <p:cNvPr id="9" name="テキスト ボックス 8">
+            <a:extLst>
+              <a:ext uri="{FF2B5EF4-FFF2-40B4-BE49-F238E27FC236}">
+                <a16:creationId xmlns:a16="http://schemas.microsoft.com/office/drawing/2014/main" id="{8FB87FC8-B28B-365D-723B-FB5F893BA640}"/>
+              </a:ext>
+            </a:extLst>
+          </p:cNvPr>
+          <p:cNvSpPr txBox="1"/>
+          <p:nvPr userDrawn="1">
+            <p:extLst>
+              <p:ext uri="{1162E1C5-73C7-4A58-AE30-91384D911F3F}">
+                <p184:classification xmlns:p184="http://schemas.microsoft.com/office/powerpoint/2018/4/main" val="ftr"/>
+              </p:ext>
+            </p:extLst>
+          </p:nvPr>
+        </p:nvSpPr>
+        <p:spPr>
+          <a:xfrm>
+            <a:off x="63500" y="6642100"/>
+            <a:ext cx="433388" cy="152400"/>
+          </a:xfrm>
+          <a:prstGeom prst="rect">
+            <a:avLst/>
+          </a:prstGeom>
+        </p:spPr>
+        <p:txBody>
+          <a:bodyPr horzOverflow="overflow" lIns="0" tIns="0" rIns="0" bIns="0">
+            <a:spAutoFit/>
+          </a:bodyPr>
+          <a:lstStyle/>
+          <a:p>
+            <a:pPr algn="l"/>
+            <a:r>
+              <a:rPr lang="ja-JP" altLang="en-US" sz="1000">
+                <a:solidFill>
+                  <a:srgbClr val="000000"/>
+                </a:solidFill>
+                <a:latin typeface="Calibri" panose="020F0502020204030204" pitchFamily="34" charset="0"/>
+                <a:cs typeface="Calibri" panose="020F0502020204030204" pitchFamily="34" charset="0"/>
+              </a:rPr>
+              <a:t>Internal</a:t>
             </a:r>
           </a:p>
         </p:txBody>
@@ -2396,7 +2460,7 @@
           <a:p>
             <a:r>
               <a:rPr lang="ja-JP" altLang="en-US" dirty="0"/>
-              <a:t>各社の国語辞典の役割について注目し、インターフェイスと実装に分けて表現してみましょう</a:t>
+              <a:t>国語辞典の役割に注目し、各社共通のインターフェイスと、実装とに分けて表現してみましょう</a:t>
             </a:r>
           </a:p>
         </p:txBody>

--- a/01-basics/exercises/16-segmentation_principles.pptx
+++ b/01-basics/exercises/16-segmentation_principles.pptx
@@ -259,7 +259,7 @@
           <a:p>
             <a:fld id="{2EEC3D0B-6EC8-4E87-A410-4822AA20BE98}" type="datetimeFigureOut">
               <a:rPr kumimoji="1" lang="ja-JP" altLang="en-US" smtClean="0"/>
-              <a:t>2024/5/7</a:t>
+              <a:t>2024/5/22</a:t>
             </a:fld>
             <a:endParaRPr kumimoji="1" lang="ja-JP" altLang="en-US"/>
           </a:p>
@@ -400,7 +400,7 @@
           <a:p>
             <a:fld id="{2EEC3D0B-6EC8-4E87-A410-4822AA20BE98}" type="datetimeFigureOut">
               <a:rPr kumimoji="1" lang="ja-JP" altLang="en-US" smtClean="0"/>
-              <a:t>2024/5/7</a:t>
+              <a:t>2024/5/22</a:t>
             </a:fld>
             <a:endParaRPr kumimoji="1" lang="ja-JP" altLang="en-US"/>
           </a:p>
@@ -513,7 +513,7 @@
           <a:p>
             <a:fld id="{2EEC3D0B-6EC8-4E87-A410-4822AA20BE98}" type="datetimeFigureOut">
               <a:rPr kumimoji="1" lang="ja-JP" altLang="en-US" smtClean="0"/>
-              <a:t>2024/5/7</a:t>
+              <a:t>2024/5/22</a:t>
             </a:fld>
             <a:endParaRPr kumimoji="1" lang="ja-JP" altLang="en-US"/>
           </a:p>
@@ -688,7 +688,15 @@
             </a:r>
             <a:r>
               <a:rPr lang="ja-JP" altLang="en-US" sz="2800" b="1" dirty="0"/>
-              <a:t>印刷機能をメカニズム＆ポリシーに分解する</a:t>
+              <a:t>印刷</a:t>
+            </a:r>
+            <a:r>
+              <a:rPr lang="ja-JP" altLang="en-US" sz="2800" b="1"/>
+              <a:t>機能をポリシー＆実装に</a:t>
+            </a:r>
+            <a:r>
+              <a:rPr lang="ja-JP" altLang="en-US" sz="2800" b="1" dirty="0"/>
+              <a:t>分解する</a:t>
             </a:r>
           </a:p>
         </p:txBody>
@@ -727,7 +735,7 @@
             </a:r>
             <a:r>
               <a:rPr lang="ja-JP" altLang="en-US" dirty="0"/>
-              <a:t>の印刷機能について注目し、メカニズムとポリシーに分けて表現してみましょう</a:t>
+              <a:t>の印刷機能について注目し、ポリシーと実装に分けて表現してみましょう</a:t>
             </a:r>
           </a:p>
         </p:txBody>
@@ -1071,7 +1079,7 @@
           <p:nvPr userDrawn="1">
             <p:extLst>
               <p:ext uri="{D42A27DB-BD31-4B8C-83A1-F6EECF244321}">
-                <p14:modId xmlns:p14="http://schemas.microsoft.com/office/powerpoint/2010/main" val="2161901981"/>
+                <p14:modId xmlns:p14="http://schemas.microsoft.com/office/powerpoint/2010/main" val="1878706864"/>
               </p:ext>
             </p:extLst>
           </p:nvPr>
@@ -1110,8 +1118,21 @@
                     <a:p>
                       <a:r>
                         <a:rPr kumimoji="1" lang="ja-JP" altLang="en-US" dirty="0"/>
-                        <a:t>メカニズム</a:t>
-                      </a:r>
+                        <a:t>ポリシー</a:t>
+                      </a:r>
+                      <a:r>
+                        <a:rPr kumimoji="1" lang="en-US" altLang="ja-JP" dirty="0"/>
+                        <a:t>(</a:t>
+                      </a:r>
+                      <a:r>
+                        <a:rPr kumimoji="1" lang="ja-JP" altLang="en-US" dirty="0"/>
+                        <a:t>共通部</a:t>
+                      </a:r>
+                      <a:r>
+                        <a:rPr kumimoji="1" lang="en-US" altLang="ja-JP" dirty="0"/>
+                        <a:t>)</a:t>
+                      </a:r>
+                      <a:endParaRPr kumimoji="1" lang="ja-JP" altLang="en-US" dirty="0"/>
                     </a:p>
                   </a:txBody>
                   <a:tcPr/>
@@ -1123,8 +1144,21 @@
                     <a:p>
                       <a:r>
                         <a:rPr kumimoji="1" lang="ja-JP" altLang="en-US" dirty="0"/>
-                        <a:t>ポリシー</a:t>
-                      </a:r>
+                        <a:t>実装</a:t>
+                      </a:r>
+                      <a:r>
+                        <a:rPr kumimoji="1" lang="en-US" altLang="ja-JP" dirty="0"/>
+                        <a:t>(</a:t>
+                      </a:r>
+                      <a:r>
+                        <a:rPr kumimoji="1" lang="ja-JP" altLang="en-US" dirty="0"/>
+                        <a:t>独自部分、単機能部分</a:t>
+                      </a:r>
+                      <a:r>
+                        <a:rPr kumimoji="1" lang="en-US" altLang="ja-JP" dirty="0"/>
+                        <a:t>)</a:t>
+                      </a:r>
+                      <a:endParaRPr kumimoji="1" lang="ja-JP" altLang="en-US" dirty="0"/>
                     </a:p>
                   </a:txBody>
                   <a:tcPr/>
@@ -1753,7 +1787,7 @@
           <a:p>
             <a:fld id="{2EEC3D0B-6EC8-4E87-A410-4822AA20BE98}" type="datetimeFigureOut">
               <a:rPr kumimoji="1" lang="ja-JP" altLang="en-US" smtClean="0"/>
-              <a:t>2024/5/7</a:t>
+              <a:t>2024/5/22</a:t>
             </a:fld>
             <a:endParaRPr kumimoji="1" lang="ja-JP" altLang="en-US"/>
           </a:p>
@@ -2357,7 +2391,7 @@
             </a:r>
             <a:r>
               <a:rPr lang="ja-JP" altLang="en-US" dirty="0"/>
-              <a:t>の印刷機能について注目し、メカニズムとポリシーに分けて表現してみましょう</a:t>
+              <a:t>の印刷機能について注目し、ポリシーと実装に分けて表現してみましょう</a:t>
             </a:r>
           </a:p>
         </p:txBody>
@@ -2425,7 +2459,7 @@
             </a:r>
             <a:r>
               <a:rPr lang="ja-JP" altLang="en-US" sz="2800" b="1" dirty="0"/>
-              <a:t>印刷機能をメカニズムとポリシーに分解する</a:t>
+              <a:t>印刷機能をポリシーと実装に分解する</a:t>
             </a:r>
           </a:p>
         </p:txBody>
@@ -2770,7 +2804,7 @@
           <p:nvPr>
             <p:extLst>
               <p:ext uri="{D42A27DB-BD31-4B8C-83A1-F6EECF244321}">
-                <p14:modId xmlns:p14="http://schemas.microsoft.com/office/powerpoint/2010/main" val="4081596105"/>
+                <p14:modId xmlns:p14="http://schemas.microsoft.com/office/powerpoint/2010/main" val="1438580274"/>
               </p:ext>
             </p:extLst>
           </p:nvPr>
@@ -2809,8 +2843,21 @@
                     <a:p>
                       <a:r>
                         <a:rPr kumimoji="1" lang="ja-JP" altLang="en-US" dirty="0"/>
-                        <a:t>メカニズム</a:t>
-                      </a:r>
+                        <a:t>ポリシー</a:t>
+                      </a:r>
+                      <a:r>
+                        <a:rPr kumimoji="1" lang="en-US" altLang="ja-JP" dirty="0"/>
+                        <a:t>(</a:t>
+                      </a:r>
+                      <a:r>
+                        <a:rPr kumimoji="1" lang="ja-JP" altLang="en-US" dirty="0"/>
+                        <a:t>共通部</a:t>
+                      </a:r>
+                      <a:r>
+                        <a:rPr kumimoji="1" lang="en-US" altLang="ja-JP" dirty="0"/>
+                        <a:t>)</a:t>
+                      </a:r>
+                      <a:endParaRPr kumimoji="1" lang="ja-JP" altLang="en-US" dirty="0"/>
                     </a:p>
                   </a:txBody>
                   <a:tcPr/>
@@ -2822,8 +2869,21 @@
                     <a:p>
                       <a:r>
                         <a:rPr kumimoji="1" lang="ja-JP" altLang="en-US" dirty="0"/>
-                        <a:t>ポリシー</a:t>
-                      </a:r>
+                        <a:t>実装</a:t>
+                      </a:r>
+                      <a:r>
+                        <a:rPr kumimoji="1" lang="en-US" altLang="ja-JP" dirty="0"/>
+                        <a:t>(</a:t>
+                      </a:r>
+                      <a:r>
+                        <a:rPr kumimoji="1" lang="ja-JP" altLang="en-US" dirty="0"/>
+                        <a:t>独自部分、単機能部分</a:t>
+                      </a:r>
+                      <a:r>
+                        <a:rPr kumimoji="1" lang="en-US" altLang="ja-JP" dirty="0"/>
+                        <a:t>)</a:t>
+                      </a:r>
+                      <a:endParaRPr kumimoji="1" lang="ja-JP" altLang="en-US" dirty="0"/>
                     </a:p>
                   </a:txBody>
                   <a:tcPr/>
